--- a/01AICluster/01Roadmap/02Trend.pptx
+++ b/01AICluster/01Roadmap/02Trend.pptx
@@ -31790,6 +31790,42 @@
           <a:chExt cx="0" cy="0"/>
         </a:xfrm>
       </p:grpSpPr>
+      <p:pic>
+        <p:nvPicPr>
+          <p:cNvPr id="2" name="图片 1">
+            <a:extLst>
+              <a:ext uri="{FF2B5EF4-FFF2-40B4-BE49-F238E27FC236}">
+                <a16:creationId xmlns:a16="http://schemas.microsoft.com/office/drawing/2014/main" id="{16D7D4E8-A3C9-4707-C7B2-B4899A216DED}"/>
+              </a:ext>
+            </a:extLst>
+          </p:cNvPr>
+          <p:cNvPicPr>
+            <a:picLocks noChangeAspect="1"/>
+          </p:cNvPicPr>
+          <p:nvPr/>
+        </p:nvPicPr>
+        <p:blipFill>
+          <a:blip r:embed="rId3">
+            <a:extLst>
+              <a:ext uri="{28A0092B-C50C-407E-A947-70E740481C1C}">
+                <a14:useLocalDpi xmlns:a14="http://schemas.microsoft.com/office/drawing/2010/main" val="0"/>
+              </a:ext>
+            </a:extLst>
+          </a:blip>
+          <a:stretch>
+            <a:fillRect/>
+          </a:stretch>
+        </p:blipFill>
+        <p:spPr>
+          <a:xfrm>
+            <a:off x="2381" y="0"/>
+            <a:ext cx="12192000" cy="6858000"/>
+          </a:xfrm>
+          <a:prstGeom prst="rect">
+            <a:avLst/>
+          </a:prstGeom>
+        </p:spPr>
+      </p:pic>
       <p:sp>
         <p:nvSpPr>
           <p:cNvPr id="7" name="矩形 6">
@@ -32076,7 +32112,7 @@
           <p:nvPr/>
         </p:nvPicPr>
         <p:blipFill>
-          <a:blip r:embed="rId3" cstate="print">
+          <a:blip r:embed="rId4" cstate="print">
             <a:extLst>
               <a:ext uri="{28A0092B-C50C-407E-A947-70E740481C1C}">
                 <a14:useLocalDpi xmlns:a14="http://schemas.microsoft.com/office/drawing/2010/main"/>
@@ -32880,49 +32916,37 @@
       </p:sp>
       <p:pic>
         <p:nvPicPr>
-          <p:cNvPr id="6" name="Picture 2" descr="思考表情包图片-思考表情包模板下载-包图网">
+          <p:cNvPr id="2" name="图片 1">
             <a:extLst>
               <a:ext uri="{FF2B5EF4-FFF2-40B4-BE49-F238E27FC236}">
-                <a16:creationId xmlns:a16="http://schemas.microsoft.com/office/drawing/2014/main" id="{73DAED9A-485D-11A4-3441-78627023DD13}"/>
+                <a16:creationId xmlns:a16="http://schemas.microsoft.com/office/drawing/2014/main" id="{05CCF0FF-5BBD-E33E-1CE8-2DB89B0F8B0B}"/>
               </a:ext>
             </a:extLst>
           </p:cNvPr>
           <p:cNvPicPr>
-            <a:picLocks noChangeAspect="1" noChangeArrowheads="1"/>
+            <a:picLocks noChangeAspect="1"/>
           </p:cNvPicPr>
           <p:nvPr/>
         </p:nvPicPr>
-        <p:blipFill>
+        <p:blipFill rotWithShape="1">
           <a:blip r:embed="rId2">
             <a:extLst>
               <a:ext uri="{28A0092B-C50C-407E-A947-70E740481C1C}">
-                <a14:useLocalDpi xmlns:a14="http://schemas.microsoft.com/office/drawing/2010/main"/>
+                <a14:useLocalDpi xmlns:a14="http://schemas.microsoft.com/office/drawing/2010/main" val="0"/>
               </a:ext>
             </a:extLst>
           </a:blip>
-          <a:srcRect/>
-          <a:stretch>
-            <a:fillRect/>
-          </a:stretch>
+          <a:srcRect l="5027" r="1365" b="1215"/>
+          <a:stretch/>
         </p:blipFill>
-        <p:spPr bwMode="auto">
+        <p:spPr>
           <a:xfrm>
-            <a:off x="9287838" y="3963343"/>
-            <a:ext cx="2299270" cy="2299270"/>
+            <a:off x="849357" y="1999612"/>
+            <a:ext cx="10498047" cy="3527886"/>
           </a:xfrm>
           <a:prstGeom prst="rect">
             <a:avLst/>
           </a:prstGeom>
-          <a:noFill/>
-          <a:extLst>
-            <a:ext uri="{909E8E84-426E-40DD-AFC4-6F175D3DCCD1}">
-              <a14:hiddenFill xmlns:a14="http://schemas.microsoft.com/office/drawing/2010/main">
-                <a:solidFill>
-                  <a:srgbClr val="FFFFFF"/>
-                </a:solidFill>
-              </a14:hiddenFill>
-            </a:ext>
-          </a:extLst>
         </p:spPr>
       </p:pic>
     </p:spTree>
